--- a/ppt 16-9/1539.是这份爱.pptx
+++ b/ppt 16-9/1539.是这份爱.pptx
@@ -5,7 +5,7 @@
     <p:sldMasterId id="2147483648" r:id="rId1"/>
   </p:sldMasterIdLst>
   <p:sldIdLst>
-    <p:sldId id="3387" r:id="rId2"/>
+    <p:sldId id="3388" r:id="rId2"/>
   </p:sldIdLst>
   <p:sldSz cx="12192000" cy="6858000"/>
   <p:notesSz cx="6858000" cy="9144000"/>
@@ -129,7 +129,7 @@
           <p:cNvPr id="2" name="标题 1">
             <a:extLst>
               <a:ext uri="{FF2B5EF4-FFF2-40B4-BE49-F238E27FC236}">
-                <a16:creationId xmlns:a16="http://schemas.microsoft.com/office/drawing/2014/main" id="{55968032-ABC8-F6C9-943D-694A48108544}"/>
+                <a16:creationId xmlns:a16="http://schemas.microsoft.com/office/drawing/2014/main" id="{88A8F8BC-6ACC-01BF-8FDB-9DF092F4E3DA}"/>
               </a:ext>
             </a:extLst>
           </p:cNvPr>
@@ -166,7 +166,7 @@
           <p:cNvPr id="3" name="副标题 2">
             <a:extLst>
               <a:ext uri="{FF2B5EF4-FFF2-40B4-BE49-F238E27FC236}">
-                <a16:creationId xmlns:a16="http://schemas.microsoft.com/office/drawing/2014/main" id="{3F7B144B-45C1-8E9A-FC16-B8D4334624C1}"/>
+                <a16:creationId xmlns:a16="http://schemas.microsoft.com/office/drawing/2014/main" id="{2A396A53-8933-9226-AF4A-C19088084188}"/>
               </a:ext>
             </a:extLst>
           </p:cNvPr>
@@ -236,7 +236,7 @@
           <p:cNvPr id="4" name="日期占位符 3">
             <a:extLst>
               <a:ext uri="{FF2B5EF4-FFF2-40B4-BE49-F238E27FC236}">
-                <a16:creationId xmlns:a16="http://schemas.microsoft.com/office/drawing/2014/main" id="{8D910357-5ACF-581A-49BF-BB4DE4EBDBB6}"/>
+                <a16:creationId xmlns:a16="http://schemas.microsoft.com/office/drawing/2014/main" id="{7A475407-23AD-6DA7-F085-7319C4A0C571}"/>
               </a:ext>
             </a:extLst>
           </p:cNvPr>
@@ -252,7 +252,7 @@
           <a:bodyPr/>
           <a:lstStyle/>
           <a:p>
-            <a:fld id="{9922BC9A-EFDB-4B32-A0B9-CB9B56612A2B}" type="datetimeFigureOut">
+            <a:fld id="{A63B1C8D-CF17-40C0-AD06-8B3E41B8D8CF}" type="datetimeFigureOut">
               <a:rPr lang="zh-CN" altLang="en-US" smtClean="0"/>
               <a:t>2024/3/10</a:t>
             </a:fld>
@@ -265,7 +265,7 @@
           <p:cNvPr id="5" name="页脚占位符 4">
             <a:extLst>
               <a:ext uri="{FF2B5EF4-FFF2-40B4-BE49-F238E27FC236}">
-                <a16:creationId xmlns:a16="http://schemas.microsoft.com/office/drawing/2014/main" id="{395E8BC4-299F-6EA3-BC75-ECE6ECD08BF1}"/>
+                <a16:creationId xmlns:a16="http://schemas.microsoft.com/office/drawing/2014/main" id="{A2DF3C10-C179-BCF1-FBB0-FB45B4700E6C}"/>
               </a:ext>
             </a:extLst>
           </p:cNvPr>
@@ -290,7 +290,7 @@
           <p:cNvPr id="6" name="灯片编号占位符 5">
             <a:extLst>
               <a:ext uri="{FF2B5EF4-FFF2-40B4-BE49-F238E27FC236}">
-                <a16:creationId xmlns:a16="http://schemas.microsoft.com/office/drawing/2014/main" id="{BA6B4CA8-089E-89F7-0103-403BF157FFE0}"/>
+                <a16:creationId xmlns:a16="http://schemas.microsoft.com/office/drawing/2014/main" id="{AFACA876-CAE7-07D0-3BB1-54C49B47E400}"/>
               </a:ext>
             </a:extLst>
           </p:cNvPr>
@@ -306,7 +306,7 @@
           <a:bodyPr/>
           <a:lstStyle/>
           <a:p>
-            <a:fld id="{96F86091-BF76-4779-A52E-6156736A16A4}" type="slidenum">
+            <a:fld id="{7C728DA1-8BD2-45F8-9FDE-CC693B7CB3EB}" type="slidenum">
               <a:rPr lang="zh-CN" altLang="en-US" smtClean="0"/>
               <a:t>‹#›</a:t>
             </a:fld>
@@ -317,7 +317,7 @@
     </p:spTree>
     <p:extLst>
       <p:ext uri="{BB962C8B-B14F-4D97-AF65-F5344CB8AC3E}">
-        <p14:creationId xmlns:p14="http://schemas.microsoft.com/office/powerpoint/2010/main" val="3848660089"/>
+        <p14:creationId xmlns:p14="http://schemas.microsoft.com/office/powerpoint/2010/main" val="2058534864"/>
       </p:ext>
     </p:extLst>
   </p:cSld>
@@ -349,7 +349,7 @@
           <p:cNvPr id="2" name="标题 1">
             <a:extLst>
               <a:ext uri="{FF2B5EF4-FFF2-40B4-BE49-F238E27FC236}">
-                <a16:creationId xmlns:a16="http://schemas.microsoft.com/office/drawing/2014/main" id="{90F9DA3A-B282-E318-D77E-1FDB6C0223E2}"/>
+                <a16:creationId xmlns:a16="http://schemas.microsoft.com/office/drawing/2014/main" id="{D6059D22-3624-6CFC-4719-9CAFA8840886}"/>
               </a:ext>
             </a:extLst>
           </p:cNvPr>
@@ -377,7 +377,7 @@
           <p:cNvPr id="3" name="竖排文字占位符 2">
             <a:extLst>
               <a:ext uri="{FF2B5EF4-FFF2-40B4-BE49-F238E27FC236}">
-                <a16:creationId xmlns:a16="http://schemas.microsoft.com/office/drawing/2014/main" id="{D7AFA45B-2A0F-5AED-C2B0-827C9D05D45E}"/>
+                <a16:creationId xmlns:a16="http://schemas.microsoft.com/office/drawing/2014/main" id="{0A07767B-F03C-937A-46C5-492B9FF90CF9}"/>
               </a:ext>
             </a:extLst>
           </p:cNvPr>
@@ -434,7 +434,7 @@
           <p:cNvPr id="4" name="日期占位符 3">
             <a:extLst>
               <a:ext uri="{FF2B5EF4-FFF2-40B4-BE49-F238E27FC236}">
-                <a16:creationId xmlns:a16="http://schemas.microsoft.com/office/drawing/2014/main" id="{CCCD027B-27FB-9C33-CA5A-490DC5843EEB}"/>
+                <a16:creationId xmlns:a16="http://schemas.microsoft.com/office/drawing/2014/main" id="{4CD1DB30-A2AC-158F-0BA4-F65383A1C1DF}"/>
               </a:ext>
             </a:extLst>
           </p:cNvPr>
@@ -450,7 +450,7 @@
           <a:bodyPr/>
           <a:lstStyle/>
           <a:p>
-            <a:fld id="{9922BC9A-EFDB-4B32-A0B9-CB9B56612A2B}" type="datetimeFigureOut">
+            <a:fld id="{A63B1C8D-CF17-40C0-AD06-8B3E41B8D8CF}" type="datetimeFigureOut">
               <a:rPr lang="zh-CN" altLang="en-US" smtClean="0"/>
               <a:t>2024/3/10</a:t>
             </a:fld>
@@ -463,7 +463,7 @@
           <p:cNvPr id="5" name="页脚占位符 4">
             <a:extLst>
               <a:ext uri="{FF2B5EF4-FFF2-40B4-BE49-F238E27FC236}">
-                <a16:creationId xmlns:a16="http://schemas.microsoft.com/office/drawing/2014/main" id="{85F57699-619E-8C8F-0E1C-051B9B964D8C}"/>
+                <a16:creationId xmlns:a16="http://schemas.microsoft.com/office/drawing/2014/main" id="{1CDE5C47-0124-C9D1-4569-7648CEA81E08}"/>
               </a:ext>
             </a:extLst>
           </p:cNvPr>
@@ -488,7 +488,7 @@
           <p:cNvPr id="6" name="灯片编号占位符 5">
             <a:extLst>
               <a:ext uri="{FF2B5EF4-FFF2-40B4-BE49-F238E27FC236}">
-                <a16:creationId xmlns:a16="http://schemas.microsoft.com/office/drawing/2014/main" id="{D7E8816D-88AC-73C1-E54C-AF65049CE96B}"/>
+                <a16:creationId xmlns:a16="http://schemas.microsoft.com/office/drawing/2014/main" id="{4003682C-53F7-73BC-EA37-6807E5925CA5}"/>
               </a:ext>
             </a:extLst>
           </p:cNvPr>
@@ -504,7 +504,7 @@
           <a:bodyPr/>
           <a:lstStyle/>
           <a:p>
-            <a:fld id="{96F86091-BF76-4779-A52E-6156736A16A4}" type="slidenum">
+            <a:fld id="{7C728DA1-8BD2-45F8-9FDE-CC693B7CB3EB}" type="slidenum">
               <a:rPr lang="zh-CN" altLang="en-US" smtClean="0"/>
               <a:t>‹#›</a:t>
             </a:fld>
@@ -515,7 +515,7 @@
     </p:spTree>
     <p:extLst>
       <p:ext uri="{BB962C8B-B14F-4D97-AF65-F5344CB8AC3E}">
-        <p14:creationId xmlns:p14="http://schemas.microsoft.com/office/powerpoint/2010/main" val="719259409"/>
+        <p14:creationId xmlns:p14="http://schemas.microsoft.com/office/powerpoint/2010/main" val="709709873"/>
       </p:ext>
     </p:extLst>
   </p:cSld>
@@ -547,7 +547,7 @@
           <p:cNvPr id="2" name="竖排标题 1">
             <a:extLst>
               <a:ext uri="{FF2B5EF4-FFF2-40B4-BE49-F238E27FC236}">
-                <a16:creationId xmlns:a16="http://schemas.microsoft.com/office/drawing/2014/main" id="{7C894EB7-8C53-336E-5619-E20356E36AF5}"/>
+                <a16:creationId xmlns:a16="http://schemas.microsoft.com/office/drawing/2014/main" id="{4CF05EB9-B050-D781-6273-6EE3F3809050}"/>
               </a:ext>
             </a:extLst>
           </p:cNvPr>
@@ -580,7 +580,7 @@
           <p:cNvPr id="3" name="竖排文字占位符 2">
             <a:extLst>
               <a:ext uri="{FF2B5EF4-FFF2-40B4-BE49-F238E27FC236}">
-                <a16:creationId xmlns:a16="http://schemas.microsoft.com/office/drawing/2014/main" id="{11DB4B45-D0CD-CBA1-0200-C33701E29B7A}"/>
+                <a16:creationId xmlns:a16="http://schemas.microsoft.com/office/drawing/2014/main" id="{E5F72789-3D84-0CF5-D6C8-8CA951939BAC}"/>
               </a:ext>
             </a:extLst>
           </p:cNvPr>
@@ -642,7 +642,7 @@
           <p:cNvPr id="4" name="日期占位符 3">
             <a:extLst>
               <a:ext uri="{FF2B5EF4-FFF2-40B4-BE49-F238E27FC236}">
-                <a16:creationId xmlns:a16="http://schemas.microsoft.com/office/drawing/2014/main" id="{123A2487-3101-388B-F6F1-D5CF0463BBA5}"/>
+                <a16:creationId xmlns:a16="http://schemas.microsoft.com/office/drawing/2014/main" id="{0D783857-E720-DBF4-9303-81B39ADB61F2}"/>
               </a:ext>
             </a:extLst>
           </p:cNvPr>
@@ -658,7 +658,7 @@
           <a:bodyPr/>
           <a:lstStyle/>
           <a:p>
-            <a:fld id="{9922BC9A-EFDB-4B32-A0B9-CB9B56612A2B}" type="datetimeFigureOut">
+            <a:fld id="{A63B1C8D-CF17-40C0-AD06-8B3E41B8D8CF}" type="datetimeFigureOut">
               <a:rPr lang="zh-CN" altLang="en-US" smtClean="0"/>
               <a:t>2024/3/10</a:t>
             </a:fld>
@@ -671,7 +671,7 @@
           <p:cNvPr id="5" name="页脚占位符 4">
             <a:extLst>
               <a:ext uri="{FF2B5EF4-FFF2-40B4-BE49-F238E27FC236}">
-                <a16:creationId xmlns:a16="http://schemas.microsoft.com/office/drawing/2014/main" id="{0BF332A8-1C5B-0CF0-F403-6B4EC1871AC2}"/>
+                <a16:creationId xmlns:a16="http://schemas.microsoft.com/office/drawing/2014/main" id="{245129C7-6842-03FF-FAC8-A236E56EC323}"/>
               </a:ext>
             </a:extLst>
           </p:cNvPr>
@@ -696,7 +696,7 @@
           <p:cNvPr id="6" name="灯片编号占位符 5">
             <a:extLst>
               <a:ext uri="{FF2B5EF4-FFF2-40B4-BE49-F238E27FC236}">
-                <a16:creationId xmlns:a16="http://schemas.microsoft.com/office/drawing/2014/main" id="{4498D68A-5C51-D895-43F3-80A07963597A}"/>
+                <a16:creationId xmlns:a16="http://schemas.microsoft.com/office/drawing/2014/main" id="{68B0BF2C-8A3C-A711-EFC8-B98848E90572}"/>
               </a:ext>
             </a:extLst>
           </p:cNvPr>
@@ -712,7 +712,7 @@
           <a:bodyPr/>
           <a:lstStyle/>
           <a:p>
-            <a:fld id="{96F86091-BF76-4779-A52E-6156736A16A4}" type="slidenum">
+            <a:fld id="{7C728DA1-8BD2-45F8-9FDE-CC693B7CB3EB}" type="slidenum">
               <a:rPr lang="zh-CN" altLang="en-US" smtClean="0"/>
               <a:t>‹#›</a:t>
             </a:fld>
@@ -723,7 +723,7 @@
     </p:spTree>
     <p:extLst>
       <p:ext uri="{BB962C8B-B14F-4D97-AF65-F5344CB8AC3E}">
-        <p14:creationId xmlns:p14="http://schemas.microsoft.com/office/powerpoint/2010/main" val="2317289108"/>
+        <p14:creationId xmlns:p14="http://schemas.microsoft.com/office/powerpoint/2010/main" val="1447939089"/>
       </p:ext>
     </p:extLst>
   </p:cSld>
@@ -755,7 +755,7 @@
           <p:cNvPr id="2" name="标题 1">
             <a:extLst>
               <a:ext uri="{FF2B5EF4-FFF2-40B4-BE49-F238E27FC236}">
-                <a16:creationId xmlns:a16="http://schemas.microsoft.com/office/drawing/2014/main" id="{7E59F1EC-4085-4989-6C41-CD5C19631C8B}"/>
+                <a16:creationId xmlns:a16="http://schemas.microsoft.com/office/drawing/2014/main" id="{A3EA3E60-B541-54DA-A4B5-F2A29A8EC0E7}"/>
               </a:ext>
             </a:extLst>
           </p:cNvPr>
@@ -783,7 +783,7 @@
           <p:cNvPr id="3" name="内容占位符 2">
             <a:extLst>
               <a:ext uri="{FF2B5EF4-FFF2-40B4-BE49-F238E27FC236}">
-                <a16:creationId xmlns:a16="http://schemas.microsoft.com/office/drawing/2014/main" id="{17565B4E-12E0-6BFA-8B66-EA97BD45AF07}"/>
+                <a16:creationId xmlns:a16="http://schemas.microsoft.com/office/drawing/2014/main" id="{D8D883E7-9FD2-A2D2-E990-3FF7F747CC15}"/>
               </a:ext>
             </a:extLst>
           </p:cNvPr>
@@ -840,7 +840,7 @@
           <p:cNvPr id="4" name="日期占位符 3">
             <a:extLst>
               <a:ext uri="{FF2B5EF4-FFF2-40B4-BE49-F238E27FC236}">
-                <a16:creationId xmlns:a16="http://schemas.microsoft.com/office/drawing/2014/main" id="{FBEA7D5F-C9C0-E430-BDF5-BE5AB7E3A419}"/>
+                <a16:creationId xmlns:a16="http://schemas.microsoft.com/office/drawing/2014/main" id="{FDB053DD-563B-E125-5E1E-166D251078BA}"/>
               </a:ext>
             </a:extLst>
           </p:cNvPr>
@@ -856,7 +856,7 @@
           <a:bodyPr/>
           <a:lstStyle/>
           <a:p>
-            <a:fld id="{9922BC9A-EFDB-4B32-A0B9-CB9B56612A2B}" type="datetimeFigureOut">
+            <a:fld id="{A63B1C8D-CF17-40C0-AD06-8B3E41B8D8CF}" type="datetimeFigureOut">
               <a:rPr lang="zh-CN" altLang="en-US" smtClean="0"/>
               <a:t>2024/3/10</a:t>
             </a:fld>
@@ -869,7 +869,7 @@
           <p:cNvPr id="5" name="页脚占位符 4">
             <a:extLst>
               <a:ext uri="{FF2B5EF4-FFF2-40B4-BE49-F238E27FC236}">
-                <a16:creationId xmlns:a16="http://schemas.microsoft.com/office/drawing/2014/main" id="{3EFC5807-D2FF-79F2-2314-A738DC5472DC}"/>
+                <a16:creationId xmlns:a16="http://schemas.microsoft.com/office/drawing/2014/main" id="{1963736C-27D4-3359-B506-1DCA58E164BA}"/>
               </a:ext>
             </a:extLst>
           </p:cNvPr>
@@ -894,7 +894,7 @@
           <p:cNvPr id="6" name="灯片编号占位符 5">
             <a:extLst>
               <a:ext uri="{FF2B5EF4-FFF2-40B4-BE49-F238E27FC236}">
-                <a16:creationId xmlns:a16="http://schemas.microsoft.com/office/drawing/2014/main" id="{3CF5899C-C783-1A3C-547B-DAC5F6ABF386}"/>
+                <a16:creationId xmlns:a16="http://schemas.microsoft.com/office/drawing/2014/main" id="{2F3E31A0-7A44-6F62-FF52-497AFD5F397F}"/>
               </a:ext>
             </a:extLst>
           </p:cNvPr>
@@ -910,7 +910,7 @@
           <a:bodyPr/>
           <a:lstStyle/>
           <a:p>
-            <a:fld id="{96F86091-BF76-4779-A52E-6156736A16A4}" type="slidenum">
+            <a:fld id="{7C728DA1-8BD2-45F8-9FDE-CC693B7CB3EB}" type="slidenum">
               <a:rPr lang="zh-CN" altLang="en-US" smtClean="0"/>
               <a:t>‹#›</a:t>
             </a:fld>
@@ -921,7 +921,7 @@
     </p:spTree>
     <p:extLst>
       <p:ext uri="{BB962C8B-B14F-4D97-AF65-F5344CB8AC3E}">
-        <p14:creationId xmlns:p14="http://schemas.microsoft.com/office/powerpoint/2010/main" val="2222726424"/>
+        <p14:creationId xmlns:p14="http://schemas.microsoft.com/office/powerpoint/2010/main" val="314880367"/>
       </p:ext>
     </p:extLst>
   </p:cSld>
@@ -953,7 +953,7 @@
           <p:cNvPr id="2" name="标题 1">
             <a:extLst>
               <a:ext uri="{FF2B5EF4-FFF2-40B4-BE49-F238E27FC236}">
-                <a16:creationId xmlns:a16="http://schemas.microsoft.com/office/drawing/2014/main" id="{1D344764-DF48-B033-47E5-58A317DF01C5}"/>
+                <a16:creationId xmlns:a16="http://schemas.microsoft.com/office/drawing/2014/main" id="{F939642F-3F37-7506-9F60-736B26271943}"/>
               </a:ext>
             </a:extLst>
           </p:cNvPr>
@@ -990,7 +990,7 @@
           <p:cNvPr id="3" name="文本占位符 2">
             <a:extLst>
               <a:ext uri="{FF2B5EF4-FFF2-40B4-BE49-F238E27FC236}">
-                <a16:creationId xmlns:a16="http://schemas.microsoft.com/office/drawing/2014/main" id="{2104C29B-6919-7636-97A2-56966E3ADEDF}"/>
+                <a16:creationId xmlns:a16="http://schemas.microsoft.com/office/drawing/2014/main" id="{F5F6B73D-0042-9C84-949B-BA96FF190F2F}"/>
               </a:ext>
             </a:extLst>
           </p:cNvPr>
@@ -1115,7 +1115,7 @@
           <p:cNvPr id="4" name="日期占位符 3">
             <a:extLst>
               <a:ext uri="{FF2B5EF4-FFF2-40B4-BE49-F238E27FC236}">
-                <a16:creationId xmlns:a16="http://schemas.microsoft.com/office/drawing/2014/main" id="{CCC92D6A-22D8-339F-6921-DE14CD0D77CA}"/>
+                <a16:creationId xmlns:a16="http://schemas.microsoft.com/office/drawing/2014/main" id="{AB454629-0BD6-B03D-ACBA-30101EEAE005}"/>
               </a:ext>
             </a:extLst>
           </p:cNvPr>
@@ -1131,7 +1131,7 @@
           <a:bodyPr/>
           <a:lstStyle/>
           <a:p>
-            <a:fld id="{9922BC9A-EFDB-4B32-A0B9-CB9B56612A2B}" type="datetimeFigureOut">
+            <a:fld id="{A63B1C8D-CF17-40C0-AD06-8B3E41B8D8CF}" type="datetimeFigureOut">
               <a:rPr lang="zh-CN" altLang="en-US" smtClean="0"/>
               <a:t>2024/3/10</a:t>
             </a:fld>
@@ -1144,7 +1144,7 @@
           <p:cNvPr id="5" name="页脚占位符 4">
             <a:extLst>
               <a:ext uri="{FF2B5EF4-FFF2-40B4-BE49-F238E27FC236}">
-                <a16:creationId xmlns:a16="http://schemas.microsoft.com/office/drawing/2014/main" id="{4B2019AA-A9A6-1211-BF2E-321D18601C60}"/>
+                <a16:creationId xmlns:a16="http://schemas.microsoft.com/office/drawing/2014/main" id="{7C93765F-25CF-1D49-DEBF-4A8E391BBCB5}"/>
               </a:ext>
             </a:extLst>
           </p:cNvPr>
@@ -1169,7 +1169,7 @@
           <p:cNvPr id="6" name="灯片编号占位符 5">
             <a:extLst>
               <a:ext uri="{FF2B5EF4-FFF2-40B4-BE49-F238E27FC236}">
-                <a16:creationId xmlns:a16="http://schemas.microsoft.com/office/drawing/2014/main" id="{0929F016-53DD-950E-0650-36BC3214F896}"/>
+                <a16:creationId xmlns:a16="http://schemas.microsoft.com/office/drawing/2014/main" id="{2565EBAB-C0CE-7C04-87A2-4683F918785A}"/>
               </a:ext>
             </a:extLst>
           </p:cNvPr>
@@ -1185,7 +1185,7 @@
           <a:bodyPr/>
           <a:lstStyle/>
           <a:p>
-            <a:fld id="{96F86091-BF76-4779-A52E-6156736A16A4}" type="slidenum">
+            <a:fld id="{7C728DA1-8BD2-45F8-9FDE-CC693B7CB3EB}" type="slidenum">
               <a:rPr lang="zh-CN" altLang="en-US" smtClean="0"/>
               <a:t>‹#›</a:t>
             </a:fld>
@@ -1196,7 +1196,7 @@
     </p:spTree>
     <p:extLst>
       <p:ext uri="{BB962C8B-B14F-4D97-AF65-F5344CB8AC3E}">
-        <p14:creationId xmlns:p14="http://schemas.microsoft.com/office/powerpoint/2010/main" val="478773398"/>
+        <p14:creationId xmlns:p14="http://schemas.microsoft.com/office/powerpoint/2010/main" val="3080036531"/>
       </p:ext>
     </p:extLst>
   </p:cSld>
@@ -1228,7 +1228,7 @@
           <p:cNvPr id="2" name="标题 1">
             <a:extLst>
               <a:ext uri="{FF2B5EF4-FFF2-40B4-BE49-F238E27FC236}">
-                <a16:creationId xmlns:a16="http://schemas.microsoft.com/office/drawing/2014/main" id="{879AE1F9-6563-6463-848F-B78E7CF94A95}"/>
+                <a16:creationId xmlns:a16="http://schemas.microsoft.com/office/drawing/2014/main" id="{E41BEF24-3F77-BBBD-BA1D-B28B722E590F}"/>
               </a:ext>
             </a:extLst>
           </p:cNvPr>
@@ -1256,7 +1256,7 @@
           <p:cNvPr id="3" name="内容占位符 2">
             <a:extLst>
               <a:ext uri="{FF2B5EF4-FFF2-40B4-BE49-F238E27FC236}">
-                <a16:creationId xmlns:a16="http://schemas.microsoft.com/office/drawing/2014/main" id="{9D26FEA5-2D2B-7A88-608A-4D9AA964469C}"/>
+                <a16:creationId xmlns:a16="http://schemas.microsoft.com/office/drawing/2014/main" id="{5BCB5E1A-31F9-1EBA-03F1-AFAA071F3102}"/>
               </a:ext>
             </a:extLst>
           </p:cNvPr>
@@ -1318,7 +1318,7 @@
           <p:cNvPr id="4" name="内容占位符 3">
             <a:extLst>
               <a:ext uri="{FF2B5EF4-FFF2-40B4-BE49-F238E27FC236}">
-                <a16:creationId xmlns:a16="http://schemas.microsoft.com/office/drawing/2014/main" id="{1184E256-B837-263A-87CA-37426756300B}"/>
+                <a16:creationId xmlns:a16="http://schemas.microsoft.com/office/drawing/2014/main" id="{361A384A-75BA-EA92-C717-8D88546F7DD8}"/>
               </a:ext>
             </a:extLst>
           </p:cNvPr>
@@ -1380,7 +1380,7 @@
           <p:cNvPr id="5" name="日期占位符 4">
             <a:extLst>
               <a:ext uri="{FF2B5EF4-FFF2-40B4-BE49-F238E27FC236}">
-                <a16:creationId xmlns:a16="http://schemas.microsoft.com/office/drawing/2014/main" id="{D1D27E5D-9A56-488B-DC5C-2DE91CE07AD1}"/>
+                <a16:creationId xmlns:a16="http://schemas.microsoft.com/office/drawing/2014/main" id="{F800D38E-0330-27A8-2CD0-EA0CAF1A109C}"/>
               </a:ext>
             </a:extLst>
           </p:cNvPr>
@@ -1396,7 +1396,7 @@
           <a:bodyPr/>
           <a:lstStyle/>
           <a:p>
-            <a:fld id="{9922BC9A-EFDB-4B32-A0B9-CB9B56612A2B}" type="datetimeFigureOut">
+            <a:fld id="{A63B1C8D-CF17-40C0-AD06-8B3E41B8D8CF}" type="datetimeFigureOut">
               <a:rPr lang="zh-CN" altLang="en-US" smtClean="0"/>
               <a:t>2024/3/10</a:t>
             </a:fld>
@@ -1409,7 +1409,7 @@
           <p:cNvPr id="6" name="页脚占位符 5">
             <a:extLst>
               <a:ext uri="{FF2B5EF4-FFF2-40B4-BE49-F238E27FC236}">
-                <a16:creationId xmlns:a16="http://schemas.microsoft.com/office/drawing/2014/main" id="{874F6EC5-3F36-5CCF-82D8-36A81E231F07}"/>
+                <a16:creationId xmlns:a16="http://schemas.microsoft.com/office/drawing/2014/main" id="{5B695281-A32D-60FE-8108-B73D336CFDAF}"/>
               </a:ext>
             </a:extLst>
           </p:cNvPr>
@@ -1434,7 +1434,7 @@
           <p:cNvPr id="7" name="灯片编号占位符 6">
             <a:extLst>
               <a:ext uri="{FF2B5EF4-FFF2-40B4-BE49-F238E27FC236}">
-                <a16:creationId xmlns:a16="http://schemas.microsoft.com/office/drawing/2014/main" id="{2739A371-4563-D60C-F04D-DA21A0F275F7}"/>
+                <a16:creationId xmlns:a16="http://schemas.microsoft.com/office/drawing/2014/main" id="{972C2812-D917-2539-4690-752F40FE425B}"/>
               </a:ext>
             </a:extLst>
           </p:cNvPr>
@@ -1450,7 +1450,7 @@
           <a:bodyPr/>
           <a:lstStyle/>
           <a:p>
-            <a:fld id="{96F86091-BF76-4779-A52E-6156736A16A4}" type="slidenum">
+            <a:fld id="{7C728DA1-8BD2-45F8-9FDE-CC693B7CB3EB}" type="slidenum">
               <a:rPr lang="zh-CN" altLang="en-US" smtClean="0"/>
               <a:t>‹#›</a:t>
             </a:fld>
@@ -1461,7 +1461,7 @@
     </p:spTree>
     <p:extLst>
       <p:ext uri="{BB962C8B-B14F-4D97-AF65-F5344CB8AC3E}">
-        <p14:creationId xmlns:p14="http://schemas.microsoft.com/office/powerpoint/2010/main" val="3223464579"/>
+        <p14:creationId xmlns:p14="http://schemas.microsoft.com/office/powerpoint/2010/main" val="885552247"/>
       </p:ext>
     </p:extLst>
   </p:cSld>
@@ -1493,7 +1493,7 @@
           <p:cNvPr id="2" name="标题 1">
             <a:extLst>
               <a:ext uri="{FF2B5EF4-FFF2-40B4-BE49-F238E27FC236}">
-                <a16:creationId xmlns:a16="http://schemas.microsoft.com/office/drawing/2014/main" id="{5E4FBBAA-35DD-126D-B50F-55F986D17F0D}"/>
+                <a16:creationId xmlns:a16="http://schemas.microsoft.com/office/drawing/2014/main" id="{BB5D8CE8-BE07-F57B-4B39-F4EA6B1E32FF}"/>
               </a:ext>
             </a:extLst>
           </p:cNvPr>
@@ -1526,7 +1526,7 @@
           <p:cNvPr id="3" name="文本占位符 2">
             <a:extLst>
               <a:ext uri="{FF2B5EF4-FFF2-40B4-BE49-F238E27FC236}">
-                <a16:creationId xmlns:a16="http://schemas.microsoft.com/office/drawing/2014/main" id="{0E933DC3-00AD-9BE2-E4FE-F1736977BEAA}"/>
+                <a16:creationId xmlns:a16="http://schemas.microsoft.com/office/drawing/2014/main" id="{B616547B-6C5A-A03B-37EE-F632553D777E}"/>
               </a:ext>
             </a:extLst>
           </p:cNvPr>
@@ -1597,7 +1597,7 @@
           <p:cNvPr id="4" name="内容占位符 3">
             <a:extLst>
               <a:ext uri="{FF2B5EF4-FFF2-40B4-BE49-F238E27FC236}">
-                <a16:creationId xmlns:a16="http://schemas.microsoft.com/office/drawing/2014/main" id="{328EF20D-26FE-71B7-1ADC-A0C222BD6AC8}"/>
+                <a16:creationId xmlns:a16="http://schemas.microsoft.com/office/drawing/2014/main" id="{B22D0413-A615-EE72-24C4-0CD725C4F3B8}"/>
               </a:ext>
             </a:extLst>
           </p:cNvPr>
@@ -1659,7 +1659,7 @@
           <p:cNvPr id="5" name="文本占位符 4">
             <a:extLst>
               <a:ext uri="{FF2B5EF4-FFF2-40B4-BE49-F238E27FC236}">
-                <a16:creationId xmlns:a16="http://schemas.microsoft.com/office/drawing/2014/main" id="{4BCB4610-510F-3D6B-7548-173E49F554D9}"/>
+                <a16:creationId xmlns:a16="http://schemas.microsoft.com/office/drawing/2014/main" id="{950288AB-962D-0AC2-6B82-AF9389AE0FFF}"/>
               </a:ext>
             </a:extLst>
           </p:cNvPr>
@@ -1730,7 +1730,7 @@
           <p:cNvPr id="6" name="内容占位符 5">
             <a:extLst>
               <a:ext uri="{FF2B5EF4-FFF2-40B4-BE49-F238E27FC236}">
-                <a16:creationId xmlns:a16="http://schemas.microsoft.com/office/drawing/2014/main" id="{34923DC1-4ACA-47A0-4970-FAF3886F44DC}"/>
+                <a16:creationId xmlns:a16="http://schemas.microsoft.com/office/drawing/2014/main" id="{A1EC9107-FA51-C889-B645-A7303A7F482D}"/>
               </a:ext>
             </a:extLst>
           </p:cNvPr>
@@ -1792,7 +1792,7 @@
           <p:cNvPr id="7" name="日期占位符 6">
             <a:extLst>
               <a:ext uri="{FF2B5EF4-FFF2-40B4-BE49-F238E27FC236}">
-                <a16:creationId xmlns:a16="http://schemas.microsoft.com/office/drawing/2014/main" id="{FCBE78B9-76EB-43AD-E670-1D06A1D62BDE}"/>
+                <a16:creationId xmlns:a16="http://schemas.microsoft.com/office/drawing/2014/main" id="{B574406D-C0D3-75E5-A78E-9804A2E80FD8}"/>
               </a:ext>
             </a:extLst>
           </p:cNvPr>
@@ -1808,7 +1808,7 @@
           <a:bodyPr/>
           <a:lstStyle/>
           <a:p>
-            <a:fld id="{9922BC9A-EFDB-4B32-A0B9-CB9B56612A2B}" type="datetimeFigureOut">
+            <a:fld id="{A63B1C8D-CF17-40C0-AD06-8B3E41B8D8CF}" type="datetimeFigureOut">
               <a:rPr lang="zh-CN" altLang="en-US" smtClean="0"/>
               <a:t>2024/3/10</a:t>
             </a:fld>
@@ -1821,7 +1821,7 @@
           <p:cNvPr id="8" name="页脚占位符 7">
             <a:extLst>
               <a:ext uri="{FF2B5EF4-FFF2-40B4-BE49-F238E27FC236}">
-                <a16:creationId xmlns:a16="http://schemas.microsoft.com/office/drawing/2014/main" id="{A38641DF-6123-61CF-7D39-8DD2DA8E6839}"/>
+                <a16:creationId xmlns:a16="http://schemas.microsoft.com/office/drawing/2014/main" id="{1F88131D-2EAB-D986-E6BB-9C7729C9075D}"/>
               </a:ext>
             </a:extLst>
           </p:cNvPr>
@@ -1846,7 +1846,7 @@
           <p:cNvPr id="9" name="灯片编号占位符 8">
             <a:extLst>
               <a:ext uri="{FF2B5EF4-FFF2-40B4-BE49-F238E27FC236}">
-                <a16:creationId xmlns:a16="http://schemas.microsoft.com/office/drawing/2014/main" id="{6F27C3A3-68ED-C184-B711-AB69CBCAF230}"/>
+                <a16:creationId xmlns:a16="http://schemas.microsoft.com/office/drawing/2014/main" id="{9A2F8C01-43EF-B1A5-F3F2-0DD58ED52477}"/>
               </a:ext>
             </a:extLst>
           </p:cNvPr>
@@ -1862,7 +1862,7 @@
           <a:bodyPr/>
           <a:lstStyle/>
           <a:p>
-            <a:fld id="{96F86091-BF76-4779-A52E-6156736A16A4}" type="slidenum">
+            <a:fld id="{7C728DA1-8BD2-45F8-9FDE-CC693B7CB3EB}" type="slidenum">
               <a:rPr lang="zh-CN" altLang="en-US" smtClean="0"/>
               <a:t>‹#›</a:t>
             </a:fld>
@@ -1873,7 +1873,7 @@
     </p:spTree>
     <p:extLst>
       <p:ext uri="{BB962C8B-B14F-4D97-AF65-F5344CB8AC3E}">
-        <p14:creationId xmlns:p14="http://schemas.microsoft.com/office/powerpoint/2010/main" val="3713842605"/>
+        <p14:creationId xmlns:p14="http://schemas.microsoft.com/office/powerpoint/2010/main" val="2060910946"/>
       </p:ext>
     </p:extLst>
   </p:cSld>
@@ -1905,7 +1905,7 @@
           <p:cNvPr id="2" name="标题 1">
             <a:extLst>
               <a:ext uri="{FF2B5EF4-FFF2-40B4-BE49-F238E27FC236}">
-                <a16:creationId xmlns:a16="http://schemas.microsoft.com/office/drawing/2014/main" id="{98553278-BB2B-2407-8AA3-B62A647B0BFA}"/>
+                <a16:creationId xmlns:a16="http://schemas.microsoft.com/office/drawing/2014/main" id="{019E24CB-22BB-6F03-526A-4936F71ABA83}"/>
               </a:ext>
             </a:extLst>
           </p:cNvPr>
@@ -1933,7 +1933,7 @@
           <p:cNvPr id="3" name="日期占位符 2">
             <a:extLst>
               <a:ext uri="{FF2B5EF4-FFF2-40B4-BE49-F238E27FC236}">
-                <a16:creationId xmlns:a16="http://schemas.microsoft.com/office/drawing/2014/main" id="{6AD93379-C78B-9955-832C-815BC1E16D01}"/>
+                <a16:creationId xmlns:a16="http://schemas.microsoft.com/office/drawing/2014/main" id="{A7C652FD-464F-E5B4-ED04-BCF43C65F115}"/>
               </a:ext>
             </a:extLst>
           </p:cNvPr>
@@ -1949,7 +1949,7 @@
           <a:bodyPr/>
           <a:lstStyle/>
           <a:p>
-            <a:fld id="{9922BC9A-EFDB-4B32-A0B9-CB9B56612A2B}" type="datetimeFigureOut">
+            <a:fld id="{A63B1C8D-CF17-40C0-AD06-8B3E41B8D8CF}" type="datetimeFigureOut">
               <a:rPr lang="zh-CN" altLang="en-US" smtClean="0"/>
               <a:t>2024/3/10</a:t>
             </a:fld>
@@ -1962,7 +1962,7 @@
           <p:cNvPr id="4" name="页脚占位符 3">
             <a:extLst>
               <a:ext uri="{FF2B5EF4-FFF2-40B4-BE49-F238E27FC236}">
-                <a16:creationId xmlns:a16="http://schemas.microsoft.com/office/drawing/2014/main" id="{6BDEB9DF-1E5C-A6ED-A983-E71D087F9B38}"/>
+                <a16:creationId xmlns:a16="http://schemas.microsoft.com/office/drawing/2014/main" id="{2F7CD1F5-0310-C8C3-8FA5-ADC1E396D8B5}"/>
               </a:ext>
             </a:extLst>
           </p:cNvPr>
@@ -1987,7 +1987,7 @@
           <p:cNvPr id="5" name="灯片编号占位符 4">
             <a:extLst>
               <a:ext uri="{FF2B5EF4-FFF2-40B4-BE49-F238E27FC236}">
-                <a16:creationId xmlns:a16="http://schemas.microsoft.com/office/drawing/2014/main" id="{DE636BAA-8F3A-861E-7FAC-3329029E880D}"/>
+                <a16:creationId xmlns:a16="http://schemas.microsoft.com/office/drawing/2014/main" id="{54A3351D-22F6-3DC8-02AC-54C8C2687B36}"/>
               </a:ext>
             </a:extLst>
           </p:cNvPr>
@@ -2003,7 +2003,7 @@
           <a:bodyPr/>
           <a:lstStyle/>
           <a:p>
-            <a:fld id="{96F86091-BF76-4779-A52E-6156736A16A4}" type="slidenum">
+            <a:fld id="{7C728DA1-8BD2-45F8-9FDE-CC693B7CB3EB}" type="slidenum">
               <a:rPr lang="zh-CN" altLang="en-US" smtClean="0"/>
               <a:t>‹#›</a:t>
             </a:fld>
@@ -2014,7 +2014,7 @@
     </p:spTree>
     <p:extLst>
       <p:ext uri="{BB962C8B-B14F-4D97-AF65-F5344CB8AC3E}">
-        <p14:creationId xmlns:p14="http://schemas.microsoft.com/office/powerpoint/2010/main" val="1585131135"/>
+        <p14:creationId xmlns:p14="http://schemas.microsoft.com/office/powerpoint/2010/main" val="2724544419"/>
       </p:ext>
     </p:extLst>
   </p:cSld>
@@ -2046,7 +2046,7 @@
           <p:cNvPr id="2" name="日期占位符 1">
             <a:extLst>
               <a:ext uri="{FF2B5EF4-FFF2-40B4-BE49-F238E27FC236}">
-                <a16:creationId xmlns:a16="http://schemas.microsoft.com/office/drawing/2014/main" id="{4E7A4C1B-A82E-3BB3-BA4D-FBB8429AE317}"/>
+                <a16:creationId xmlns:a16="http://schemas.microsoft.com/office/drawing/2014/main" id="{2EFDBEB3-550C-5D4D-F27C-A9A07D72A83E}"/>
               </a:ext>
             </a:extLst>
           </p:cNvPr>
@@ -2062,7 +2062,7 @@
           <a:bodyPr/>
           <a:lstStyle/>
           <a:p>
-            <a:fld id="{9922BC9A-EFDB-4B32-A0B9-CB9B56612A2B}" type="datetimeFigureOut">
+            <a:fld id="{A63B1C8D-CF17-40C0-AD06-8B3E41B8D8CF}" type="datetimeFigureOut">
               <a:rPr lang="zh-CN" altLang="en-US" smtClean="0"/>
               <a:t>2024/3/10</a:t>
             </a:fld>
@@ -2075,7 +2075,7 @@
           <p:cNvPr id="3" name="页脚占位符 2">
             <a:extLst>
               <a:ext uri="{FF2B5EF4-FFF2-40B4-BE49-F238E27FC236}">
-                <a16:creationId xmlns:a16="http://schemas.microsoft.com/office/drawing/2014/main" id="{2345D3E8-1628-7494-E0A7-17A473896E9A}"/>
+                <a16:creationId xmlns:a16="http://schemas.microsoft.com/office/drawing/2014/main" id="{B900C334-187B-58A9-902C-9A055BC3FC50}"/>
               </a:ext>
             </a:extLst>
           </p:cNvPr>
@@ -2100,7 +2100,7 @@
           <p:cNvPr id="4" name="灯片编号占位符 3">
             <a:extLst>
               <a:ext uri="{FF2B5EF4-FFF2-40B4-BE49-F238E27FC236}">
-                <a16:creationId xmlns:a16="http://schemas.microsoft.com/office/drawing/2014/main" id="{C25C4D17-E53B-BDA3-9374-5DEF24821A18}"/>
+                <a16:creationId xmlns:a16="http://schemas.microsoft.com/office/drawing/2014/main" id="{61BB3E7B-2D2B-0798-0749-46AE4C787629}"/>
               </a:ext>
             </a:extLst>
           </p:cNvPr>
@@ -2116,7 +2116,7 @@
           <a:bodyPr/>
           <a:lstStyle/>
           <a:p>
-            <a:fld id="{96F86091-BF76-4779-A52E-6156736A16A4}" type="slidenum">
+            <a:fld id="{7C728DA1-8BD2-45F8-9FDE-CC693B7CB3EB}" type="slidenum">
               <a:rPr lang="zh-CN" altLang="en-US" smtClean="0"/>
               <a:t>‹#›</a:t>
             </a:fld>
@@ -2127,7 +2127,7 @@
     </p:spTree>
     <p:extLst>
       <p:ext uri="{BB962C8B-B14F-4D97-AF65-F5344CB8AC3E}">
-        <p14:creationId xmlns:p14="http://schemas.microsoft.com/office/powerpoint/2010/main" val="3000559016"/>
+        <p14:creationId xmlns:p14="http://schemas.microsoft.com/office/powerpoint/2010/main" val="1523853798"/>
       </p:ext>
     </p:extLst>
   </p:cSld>
@@ -2159,7 +2159,7 @@
           <p:cNvPr id="2" name="标题 1">
             <a:extLst>
               <a:ext uri="{FF2B5EF4-FFF2-40B4-BE49-F238E27FC236}">
-                <a16:creationId xmlns:a16="http://schemas.microsoft.com/office/drawing/2014/main" id="{DF049BD1-E9A7-70DC-662E-F2841F9D3503}"/>
+                <a16:creationId xmlns:a16="http://schemas.microsoft.com/office/drawing/2014/main" id="{50F91265-C6D2-5093-80E4-18B5594992FD}"/>
               </a:ext>
             </a:extLst>
           </p:cNvPr>
@@ -2196,7 +2196,7 @@
           <p:cNvPr id="3" name="内容占位符 2">
             <a:extLst>
               <a:ext uri="{FF2B5EF4-FFF2-40B4-BE49-F238E27FC236}">
-                <a16:creationId xmlns:a16="http://schemas.microsoft.com/office/drawing/2014/main" id="{04F7BF9F-9DDE-6175-AA4D-3504B155ED06}"/>
+                <a16:creationId xmlns:a16="http://schemas.microsoft.com/office/drawing/2014/main" id="{493F637D-9337-7E5A-FF98-A58F9A201FCC}"/>
               </a:ext>
             </a:extLst>
           </p:cNvPr>
@@ -2286,7 +2286,7 @@
           <p:cNvPr id="4" name="文本占位符 3">
             <a:extLst>
               <a:ext uri="{FF2B5EF4-FFF2-40B4-BE49-F238E27FC236}">
-                <a16:creationId xmlns:a16="http://schemas.microsoft.com/office/drawing/2014/main" id="{4821F2B7-99C2-C58E-BD05-7FD9B6ADE484}"/>
+                <a16:creationId xmlns:a16="http://schemas.microsoft.com/office/drawing/2014/main" id="{3086081A-3BDC-472F-1F39-1070431005FF}"/>
               </a:ext>
             </a:extLst>
           </p:cNvPr>
@@ -2357,7 +2357,7 @@
           <p:cNvPr id="5" name="日期占位符 4">
             <a:extLst>
               <a:ext uri="{FF2B5EF4-FFF2-40B4-BE49-F238E27FC236}">
-                <a16:creationId xmlns:a16="http://schemas.microsoft.com/office/drawing/2014/main" id="{E3AD558E-DD84-3529-E24E-253BE5B12C83}"/>
+                <a16:creationId xmlns:a16="http://schemas.microsoft.com/office/drawing/2014/main" id="{C59F5079-3F40-5FEA-537B-276FE5D09CCC}"/>
               </a:ext>
             </a:extLst>
           </p:cNvPr>
@@ -2373,7 +2373,7 @@
           <a:bodyPr/>
           <a:lstStyle/>
           <a:p>
-            <a:fld id="{9922BC9A-EFDB-4B32-A0B9-CB9B56612A2B}" type="datetimeFigureOut">
+            <a:fld id="{A63B1C8D-CF17-40C0-AD06-8B3E41B8D8CF}" type="datetimeFigureOut">
               <a:rPr lang="zh-CN" altLang="en-US" smtClean="0"/>
               <a:t>2024/3/10</a:t>
             </a:fld>
@@ -2386,7 +2386,7 @@
           <p:cNvPr id="6" name="页脚占位符 5">
             <a:extLst>
               <a:ext uri="{FF2B5EF4-FFF2-40B4-BE49-F238E27FC236}">
-                <a16:creationId xmlns:a16="http://schemas.microsoft.com/office/drawing/2014/main" id="{F2D5FF69-4EF8-4E7C-A74C-6BF1E87D925E}"/>
+                <a16:creationId xmlns:a16="http://schemas.microsoft.com/office/drawing/2014/main" id="{045DB13C-D9CB-48E7-0CAA-F814DFD15700}"/>
               </a:ext>
             </a:extLst>
           </p:cNvPr>
@@ -2411,7 +2411,7 @@
           <p:cNvPr id="7" name="灯片编号占位符 6">
             <a:extLst>
               <a:ext uri="{FF2B5EF4-FFF2-40B4-BE49-F238E27FC236}">
-                <a16:creationId xmlns:a16="http://schemas.microsoft.com/office/drawing/2014/main" id="{113CE81C-3F49-551F-8CB6-1B3D8BC47240}"/>
+                <a16:creationId xmlns:a16="http://schemas.microsoft.com/office/drawing/2014/main" id="{B3FE2BAA-6E07-2CC7-9B36-C667A28C19D5}"/>
               </a:ext>
             </a:extLst>
           </p:cNvPr>
@@ -2427,7 +2427,7 @@
           <a:bodyPr/>
           <a:lstStyle/>
           <a:p>
-            <a:fld id="{96F86091-BF76-4779-A52E-6156736A16A4}" type="slidenum">
+            <a:fld id="{7C728DA1-8BD2-45F8-9FDE-CC693B7CB3EB}" type="slidenum">
               <a:rPr lang="zh-CN" altLang="en-US" smtClean="0"/>
               <a:t>‹#›</a:t>
             </a:fld>
@@ -2438,7 +2438,7 @@
     </p:spTree>
     <p:extLst>
       <p:ext uri="{BB962C8B-B14F-4D97-AF65-F5344CB8AC3E}">
-        <p14:creationId xmlns:p14="http://schemas.microsoft.com/office/powerpoint/2010/main" val="1873169599"/>
+        <p14:creationId xmlns:p14="http://schemas.microsoft.com/office/powerpoint/2010/main" val="3956187993"/>
       </p:ext>
     </p:extLst>
   </p:cSld>
@@ -2470,7 +2470,7 @@
           <p:cNvPr id="2" name="标题 1">
             <a:extLst>
               <a:ext uri="{FF2B5EF4-FFF2-40B4-BE49-F238E27FC236}">
-                <a16:creationId xmlns:a16="http://schemas.microsoft.com/office/drawing/2014/main" id="{C3C18B25-66F2-99A8-0143-7A146E667FD4}"/>
+                <a16:creationId xmlns:a16="http://schemas.microsoft.com/office/drawing/2014/main" id="{A4F78A9F-503B-33D4-74E0-AD85B338D525}"/>
               </a:ext>
             </a:extLst>
           </p:cNvPr>
@@ -2507,7 +2507,7 @@
           <p:cNvPr id="3" name="图片占位符 2">
             <a:extLst>
               <a:ext uri="{FF2B5EF4-FFF2-40B4-BE49-F238E27FC236}">
-                <a16:creationId xmlns:a16="http://schemas.microsoft.com/office/drawing/2014/main" id="{0F542F9D-DE0A-D37A-5FB3-F08DE9D50137}"/>
+                <a16:creationId xmlns:a16="http://schemas.microsoft.com/office/drawing/2014/main" id="{1DA79E4F-1692-B73F-6ED1-AD530E8BD902}"/>
               </a:ext>
             </a:extLst>
           </p:cNvPr>
@@ -2574,7 +2574,7 @@
           <p:cNvPr id="4" name="文本占位符 3">
             <a:extLst>
               <a:ext uri="{FF2B5EF4-FFF2-40B4-BE49-F238E27FC236}">
-                <a16:creationId xmlns:a16="http://schemas.microsoft.com/office/drawing/2014/main" id="{8C52EC29-EAE6-7307-9098-88B1D604A02B}"/>
+                <a16:creationId xmlns:a16="http://schemas.microsoft.com/office/drawing/2014/main" id="{46E8DF23-482F-5A3E-DC8E-58E9D3C0E389}"/>
               </a:ext>
             </a:extLst>
           </p:cNvPr>
@@ -2645,7 +2645,7 @@
           <p:cNvPr id="5" name="日期占位符 4">
             <a:extLst>
               <a:ext uri="{FF2B5EF4-FFF2-40B4-BE49-F238E27FC236}">
-                <a16:creationId xmlns:a16="http://schemas.microsoft.com/office/drawing/2014/main" id="{961CEBD6-4879-33C1-B6E9-BC5B7E1A7895}"/>
+                <a16:creationId xmlns:a16="http://schemas.microsoft.com/office/drawing/2014/main" id="{E7A72592-9509-5C23-58C5-8BFFCF986334}"/>
               </a:ext>
             </a:extLst>
           </p:cNvPr>
@@ -2661,7 +2661,7 @@
           <a:bodyPr/>
           <a:lstStyle/>
           <a:p>
-            <a:fld id="{9922BC9A-EFDB-4B32-A0B9-CB9B56612A2B}" type="datetimeFigureOut">
+            <a:fld id="{A63B1C8D-CF17-40C0-AD06-8B3E41B8D8CF}" type="datetimeFigureOut">
               <a:rPr lang="zh-CN" altLang="en-US" smtClean="0"/>
               <a:t>2024/3/10</a:t>
             </a:fld>
@@ -2674,7 +2674,7 @@
           <p:cNvPr id="6" name="页脚占位符 5">
             <a:extLst>
               <a:ext uri="{FF2B5EF4-FFF2-40B4-BE49-F238E27FC236}">
-                <a16:creationId xmlns:a16="http://schemas.microsoft.com/office/drawing/2014/main" id="{2D6A7FB7-AEAE-A8F4-F762-AA9C44EDAF02}"/>
+                <a16:creationId xmlns:a16="http://schemas.microsoft.com/office/drawing/2014/main" id="{1B823982-24AB-E9A4-8B81-2C6AFC0CD426}"/>
               </a:ext>
             </a:extLst>
           </p:cNvPr>
@@ -2699,7 +2699,7 @@
           <p:cNvPr id="7" name="灯片编号占位符 6">
             <a:extLst>
               <a:ext uri="{FF2B5EF4-FFF2-40B4-BE49-F238E27FC236}">
-                <a16:creationId xmlns:a16="http://schemas.microsoft.com/office/drawing/2014/main" id="{AB403D46-8D07-8023-C0DA-FB803EEE5E0C}"/>
+                <a16:creationId xmlns:a16="http://schemas.microsoft.com/office/drawing/2014/main" id="{99577F6C-8D58-515E-1D2C-ACF14E1D83B7}"/>
               </a:ext>
             </a:extLst>
           </p:cNvPr>
@@ -2715,7 +2715,7 @@
           <a:bodyPr/>
           <a:lstStyle/>
           <a:p>
-            <a:fld id="{96F86091-BF76-4779-A52E-6156736A16A4}" type="slidenum">
+            <a:fld id="{7C728DA1-8BD2-45F8-9FDE-CC693B7CB3EB}" type="slidenum">
               <a:rPr lang="zh-CN" altLang="en-US" smtClean="0"/>
               <a:t>‹#›</a:t>
             </a:fld>
@@ -2726,7 +2726,7 @@
     </p:spTree>
     <p:extLst>
       <p:ext uri="{BB962C8B-B14F-4D97-AF65-F5344CB8AC3E}">
-        <p14:creationId xmlns:p14="http://schemas.microsoft.com/office/powerpoint/2010/main" val="1452768847"/>
+        <p14:creationId xmlns:p14="http://schemas.microsoft.com/office/powerpoint/2010/main" val="2523739073"/>
       </p:ext>
     </p:extLst>
   </p:cSld>
@@ -2763,7 +2763,7 @@
           <p:cNvPr id="2" name="标题占位符 1">
             <a:extLst>
               <a:ext uri="{FF2B5EF4-FFF2-40B4-BE49-F238E27FC236}">
-                <a16:creationId xmlns:a16="http://schemas.microsoft.com/office/drawing/2014/main" id="{B0BCF350-BD0E-A0A1-5B04-31DBDED685CA}"/>
+                <a16:creationId xmlns:a16="http://schemas.microsoft.com/office/drawing/2014/main" id="{619A0F7E-53EC-42D3-6C2B-FFA4EF67EC01}"/>
               </a:ext>
             </a:extLst>
           </p:cNvPr>
@@ -2801,7 +2801,7 @@
           <p:cNvPr id="3" name="文本占位符 2">
             <a:extLst>
               <a:ext uri="{FF2B5EF4-FFF2-40B4-BE49-F238E27FC236}">
-                <a16:creationId xmlns:a16="http://schemas.microsoft.com/office/drawing/2014/main" id="{384D8FF5-A0B0-E869-B81A-EC276BDD12F7}"/>
+                <a16:creationId xmlns:a16="http://schemas.microsoft.com/office/drawing/2014/main" id="{90CA37E9-F45A-D29B-71D8-C655C8BB546D}"/>
               </a:ext>
             </a:extLst>
           </p:cNvPr>
@@ -2868,7 +2868,7 @@
           <p:cNvPr id="4" name="日期占位符 3">
             <a:extLst>
               <a:ext uri="{FF2B5EF4-FFF2-40B4-BE49-F238E27FC236}">
-                <a16:creationId xmlns:a16="http://schemas.microsoft.com/office/drawing/2014/main" id="{BE0D803B-1851-108A-1DB2-0CE35C956055}"/>
+                <a16:creationId xmlns:a16="http://schemas.microsoft.com/office/drawing/2014/main" id="{256A52A8-4691-BEC1-AAC4-458976A6A386}"/>
               </a:ext>
             </a:extLst>
           </p:cNvPr>
@@ -2902,7 +2902,7 @@
             </a:lvl1pPr>
           </a:lstStyle>
           <a:p>
-            <a:fld id="{9922BC9A-EFDB-4B32-A0B9-CB9B56612A2B}" type="datetimeFigureOut">
+            <a:fld id="{A63B1C8D-CF17-40C0-AD06-8B3E41B8D8CF}" type="datetimeFigureOut">
               <a:rPr lang="zh-CN" altLang="en-US" smtClean="0"/>
               <a:t>2024/3/10</a:t>
             </a:fld>
@@ -2915,7 +2915,7 @@
           <p:cNvPr id="5" name="页脚占位符 4">
             <a:extLst>
               <a:ext uri="{FF2B5EF4-FFF2-40B4-BE49-F238E27FC236}">
-                <a16:creationId xmlns:a16="http://schemas.microsoft.com/office/drawing/2014/main" id="{208B6AA3-9D45-8FB6-AA78-AA9595E9A10A}"/>
+                <a16:creationId xmlns:a16="http://schemas.microsoft.com/office/drawing/2014/main" id="{DDDC9D65-E53F-5921-693D-D59968C31F95}"/>
               </a:ext>
             </a:extLst>
           </p:cNvPr>
@@ -2958,7 +2958,7 @@
           <p:cNvPr id="6" name="灯片编号占位符 5">
             <a:extLst>
               <a:ext uri="{FF2B5EF4-FFF2-40B4-BE49-F238E27FC236}">
-                <a16:creationId xmlns:a16="http://schemas.microsoft.com/office/drawing/2014/main" id="{AF3403DE-3729-7431-8F6A-81C1F3858AA6}"/>
+                <a16:creationId xmlns:a16="http://schemas.microsoft.com/office/drawing/2014/main" id="{A5C7EFE9-3452-C10A-16A8-16BF89DBA877}"/>
               </a:ext>
             </a:extLst>
           </p:cNvPr>
@@ -2992,7 +2992,7 @@
             </a:lvl1pPr>
           </a:lstStyle>
           <a:p>
-            <a:fld id="{96F86091-BF76-4779-A52E-6156736A16A4}" type="slidenum">
+            <a:fld id="{7C728DA1-8BD2-45F8-9FDE-CC693B7CB3EB}" type="slidenum">
               <a:rPr lang="zh-CN" altLang="en-US" smtClean="0"/>
               <a:t>‹#›</a:t>
             </a:fld>
@@ -3003,7 +3003,7 @@
     </p:spTree>
     <p:extLst>
       <p:ext uri="{BB962C8B-B14F-4D97-AF65-F5344CB8AC3E}">
-        <p14:creationId xmlns:p14="http://schemas.microsoft.com/office/powerpoint/2010/main" val="3183503910"/>
+        <p14:creationId xmlns:p14="http://schemas.microsoft.com/office/powerpoint/2010/main" val="3967132407"/>
       </p:ext>
     </p:extLst>
   </p:cSld>
@@ -3323,7 +3323,7 @@
       </p:grpSpPr>
       <p:pic>
         <p:nvPicPr>
-          <p:cNvPr id="1575938" name="Picture 2" descr="1538"/>
+          <p:cNvPr id="1576962" name="Picture 2" descr="1539"/>
           <p:cNvPicPr>
             <a:picLocks noChangeAspect="1" noChangeArrowheads="1"/>
           </p:cNvPicPr>
@@ -3344,8 +3344,8 @@
         </p:blipFill>
         <p:spPr bwMode="auto">
           <a:xfrm>
-            <a:off x="1543050" y="14288"/>
-            <a:ext cx="9124950" cy="6843712"/>
+            <a:off x="1614488" y="0"/>
+            <a:ext cx="9053512" cy="6789738"/>
           </a:xfrm>
           <a:prstGeom prst="rect">
             <a:avLst/>
